--- a/source/MySEProject/Documentation/ML_23-24-06_Improve_Samples_and_Documentation_for_SDR_representation_SDR-to-Bitmap-TeamKT.pptx
+++ b/source/MySEProject/Documentation/ML_23-24-06_Improve_Samples_and_Documentation_for_SDR_representation_SDR-to-Bitmap-TeamKT.pptx
@@ -147,10 +147,25 @@
   <pc:docChgLst>
     <pc:chgData name="Khan Mushfiqur Rahman" userId="74cfc6c8-8e1d-4f6c-b8c9-75ece220305b" providerId="ADAL" clId="{266C3821-113D-4234-B4AD-779D14266D38}"/>
     <pc:docChg chg="undo custSel addSld delSld modSld">
-      <pc:chgData name="Khan Mushfiqur Rahman" userId="74cfc6c8-8e1d-4f6c-b8c9-75ece220305b" providerId="ADAL" clId="{266C3821-113D-4234-B4AD-779D14266D38}" dt="2024-03-24T20:54:58.385" v="459" actId="20577"/>
+      <pc:chgData name="Khan Mushfiqur Rahman" userId="74cfc6c8-8e1d-4f6c-b8c9-75ece220305b" providerId="ADAL" clId="{266C3821-113D-4234-B4AD-779D14266D38}" dt="2024-03-31T15:46:54.212" v="469" actId="20577"/>
       <pc:docMkLst>
         <pc:docMk/>
       </pc:docMkLst>
+      <pc:sldChg chg="modSp mod">
+        <pc:chgData name="Khan Mushfiqur Rahman" userId="74cfc6c8-8e1d-4f6c-b8c9-75ece220305b" providerId="ADAL" clId="{266C3821-113D-4234-B4AD-779D14266D38}" dt="2024-03-31T15:19:20.498" v="460" actId="20577"/>
+        <pc:sldMkLst>
+          <pc:docMk/>
+          <pc:sldMk cId="988893825" sldId="257"/>
+        </pc:sldMkLst>
+        <pc:spChg chg="mod">
+          <ac:chgData name="Khan Mushfiqur Rahman" userId="74cfc6c8-8e1d-4f6c-b8c9-75ece220305b" providerId="ADAL" clId="{266C3821-113D-4234-B4AD-779D14266D38}" dt="2024-03-31T15:19:20.498" v="460" actId="20577"/>
+          <ac:spMkLst>
+            <pc:docMk/>
+            <pc:sldMk cId="988893825" sldId="257"/>
+            <ac:spMk id="3" creationId="{520DDB48-A5E5-2D80-1FC0-0DB1A2E724D7}"/>
+          </ac:spMkLst>
+        </pc:spChg>
+      </pc:sldChg>
       <pc:sldChg chg="modSp mod">
         <pc:chgData name="Khan Mushfiqur Rahman" userId="74cfc6c8-8e1d-4f6c-b8c9-75ece220305b" providerId="ADAL" clId="{266C3821-113D-4234-B4AD-779D14266D38}" dt="2024-03-24T01:29:10.074" v="0" actId="20577"/>
         <pc:sldMkLst>
@@ -495,13 +510,13 @@
         </pc:picChg>
       </pc:sldChg>
       <pc:sldChg chg="delSp modSp mod">
-        <pc:chgData name="Khan Mushfiqur Rahman" userId="74cfc6c8-8e1d-4f6c-b8c9-75ece220305b" providerId="ADAL" clId="{266C3821-113D-4234-B4AD-779D14266D38}" dt="2024-03-24T20:54:58.385" v="459" actId="20577"/>
+        <pc:chgData name="Khan Mushfiqur Rahman" userId="74cfc6c8-8e1d-4f6c-b8c9-75ece220305b" providerId="ADAL" clId="{266C3821-113D-4234-B4AD-779D14266D38}" dt="2024-03-31T15:35:38.445" v="462" actId="20577"/>
         <pc:sldMkLst>
           <pc:docMk/>
           <pc:sldMk cId="715908145" sldId="290"/>
         </pc:sldMkLst>
         <pc:spChg chg="mod">
-          <ac:chgData name="Khan Mushfiqur Rahman" userId="74cfc6c8-8e1d-4f6c-b8c9-75ece220305b" providerId="ADAL" clId="{266C3821-113D-4234-B4AD-779D14266D38}" dt="2024-03-24T20:54:58.385" v="459" actId="20577"/>
+          <ac:chgData name="Khan Mushfiqur Rahman" userId="74cfc6c8-8e1d-4f6c-b8c9-75ece220305b" providerId="ADAL" clId="{266C3821-113D-4234-B4AD-779D14266D38}" dt="2024-03-31T15:35:38.445" v="462" actId="20577"/>
           <ac:spMkLst>
             <pc:docMk/>
             <pc:sldMk cId="715908145" sldId="290"/>
@@ -529,6 +544,59 @@
             <pc:docMk/>
             <pc:sldMk cId="3172857470" sldId="291"/>
             <ac:spMk id="3" creationId="{F4D96689-2056-A4D1-DF64-6F760B77DAE2}"/>
+          </ac:spMkLst>
+        </pc:spChg>
+      </pc:sldChg>
+      <pc:sldChg chg="modSp mod">
+        <pc:chgData name="Khan Mushfiqur Rahman" userId="74cfc6c8-8e1d-4f6c-b8c9-75ece220305b" providerId="ADAL" clId="{266C3821-113D-4234-B4AD-779D14266D38}" dt="2024-03-31T15:45:57.598" v="465" actId="20577"/>
+        <pc:sldMkLst>
+          <pc:docMk/>
+          <pc:sldMk cId="3592664732" sldId="294"/>
+        </pc:sldMkLst>
+        <pc:spChg chg="mod">
+          <ac:chgData name="Khan Mushfiqur Rahman" userId="74cfc6c8-8e1d-4f6c-b8c9-75ece220305b" providerId="ADAL" clId="{266C3821-113D-4234-B4AD-779D14266D38}" dt="2024-03-31T15:45:57.598" v="465" actId="20577"/>
+          <ac:spMkLst>
+            <pc:docMk/>
+            <pc:sldMk cId="3592664732" sldId="294"/>
+            <ac:spMk id="2" creationId="{10396451-4664-0AF9-E76C-E6464FF3B20C}"/>
+          </ac:spMkLst>
+        </pc:spChg>
+      </pc:sldChg>
+      <pc:sldChg chg="modSp mod">
+        <pc:chgData name="Khan Mushfiqur Rahman" userId="74cfc6c8-8e1d-4f6c-b8c9-75ece220305b" providerId="ADAL" clId="{266C3821-113D-4234-B4AD-779D14266D38}" dt="2024-03-31T15:46:54.212" v="469" actId="20577"/>
+        <pc:sldMkLst>
+          <pc:docMk/>
+          <pc:sldMk cId="1908745796" sldId="295"/>
+        </pc:sldMkLst>
+        <pc:spChg chg="mod">
+          <ac:chgData name="Khan Mushfiqur Rahman" userId="74cfc6c8-8e1d-4f6c-b8c9-75ece220305b" providerId="ADAL" clId="{266C3821-113D-4234-B4AD-779D14266D38}" dt="2024-03-31T15:46:54.212" v="469" actId="20577"/>
+          <ac:spMkLst>
+            <pc:docMk/>
+            <pc:sldMk cId="1908745796" sldId="295"/>
+            <ac:spMk id="2" creationId="{10396451-4664-0AF9-E76C-E6464FF3B20C}"/>
+          </ac:spMkLst>
+        </pc:spChg>
+        <pc:spChg chg="mod">
+          <ac:chgData name="Khan Mushfiqur Rahman" userId="74cfc6c8-8e1d-4f6c-b8c9-75ece220305b" providerId="ADAL" clId="{266C3821-113D-4234-B4AD-779D14266D38}" dt="2024-03-31T15:40:41.444" v="463" actId="20577"/>
+          <ac:spMkLst>
+            <pc:docMk/>
+            <pc:sldMk cId="1908745796" sldId="295"/>
+            <ac:spMk id="3" creationId="{F4D96689-2056-A4D1-DF64-6F760B77DAE2}"/>
+          </ac:spMkLst>
+        </pc:spChg>
+      </pc:sldChg>
+      <pc:sldChg chg="modSp mod">
+        <pc:chgData name="Khan Mushfiqur Rahman" userId="74cfc6c8-8e1d-4f6c-b8c9-75ece220305b" providerId="ADAL" clId="{266C3821-113D-4234-B4AD-779D14266D38}" dt="2024-03-31T15:46:43.463" v="467" actId="20577"/>
+        <pc:sldMkLst>
+          <pc:docMk/>
+          <pc:sldMk cId="3687272314" sldId="296"/>
+        </pc:sldMkLst>
+        <pc:spChg chg="mod">
+          <ac:chgData name="Khan Mushfiqur Rahman" userId="74cfc6c8-8e1d-4f6c-b8c9-75ece220305b" providerId="ADAL" clId="{266C3821-113D-4234-B4AD-779D14266D38}" dt="2024-03-31T15:46:43.463" v="467" actId="20577"/>
+          <ac:spMkLst>
+            <pc:docMk/>
+            <pc:sldMk cId="3687272314" sldId="296"/>
+            <ac:spMk id="2" creationId="{10396451-4664-0AF9-E76C-E6464FF3B20C}"/>
           </ac:spMkLst>
         </pc:spChg>
       </pc:sldChg>
@@ -989,7 +1057,7 @@
           <a:p>
             <a:fld id="{53BEF823-48A5-43FC-BE03-E79964288B41}" type="datetimeFigureOut">
               <a:rPr lang="en-US" smtClean="0"/>
-              <a:t>3/24/2024</a:t>
+              <a:t>3/31/2024</a:t>
             </a:fld>
             <a:endParaRPr lang="en-US" dirty="0"/>
           </a:p>
@@ -1200,7 +1268,7 @@
             <a:fld id="{53BEF823-48A5-43FC-BE03-E79964288B41}" type="datetimeFigureOut">
               <a:rPr lang="en-US" smtClean="0"/>
               <a:pPr algn="r"/>
-              <a:t>3/24/2024</a:t>
+              <a:t>3/31/2024</a:t>
             </a:fld>
             <a:endParaRPr lang="en-US" dirty="0"/>
           </a:p>
@@ -1415,7 +1483,7 @@
             <a:fld id="{53BEF823-48A5-43FC-BE03-E79964288B41}" type="datetimeFigureOut">
               <a:rPr lang="en-US" smtClean="0"/>
               <a:pPr algn="r"/>
-              <a:t>3/24/2024</a:t>
+              <a:t>3/31/2024</a:t>
             </a:fld>
             <a:endParaRPr lang="en-US" dirty="0"/>
           </a:p>
@@ -1618,7 +1686,7 @@
             <a:fld id="{53BEF823-48A5-43FC-BE03-E79964288B41}" type="datetimeFigureOut">
               <a:rPr lang="en-US" smtClean="0"/>
               <a:pPr algn="r"/>
-              <a:t>3/24/2024</a:t>
+              <a:t>3/31/2024</a:t>
             </a:fld>
             <a:endParaRPr lang="en-US" dirty="0"/>
           </a:p>
@@ -1902,7 +1970,7 @@
             <a:fld id="{53BEF823-48A5-43FC-BE03-E79964288B41}" type="datetimeFigureOut">
               <a:rPr lang="en-US" smtClean="0"/>
               <a:pPr algn="r"/>
-              <a:t>3/24/2024</a:t>
+              <a:t>3/31/2024</a:t>
             </a:fld>
             <a:endParaRPr lang="en-US" dirty="0"/>
           </a:p>
@@ -2146,7 +2214,7 @@
             <a:fld id="{53BEF823-48A5-43FC-BE03-E79964288B41}" type="datetimeFigureOut">
               <a:rPr lang="en-US" smtClean="0"/>
               <a:pPr algn="r"/>
-              <a:t>3/24/2024</a:t>
+              <a:t>3/31/2024</a:t>
             </a:fld>
             <a:endParaRPr lang="en-US" dirty="0"/>
           </a:p>
@@ -2589,7 +2657,7 @@
             <a:fld id="{53BEF823-48A5-43FC-BE03-E79964288B41}" type="datetimeFigureOut">
               <a:rPr lang="en-US" smtClean="0"/>
               <a:pPr algn="r"/>
-              <a:t>3/24/2024</a:t>
+              <a:t>3/31/2024</a:t>
             </a:fld>
             <a:endParaRPr lang="en-US" dirty="0"/>
           </a:p>
@@ -2735,7 +2803,7 @@
             <a:fld id="{53BEF823-48A5-43FC-BE03-E79964288B41}" type="datetimeFigureOut">
               <a:rPr lang="en-US" smtClean="0"/>
               <a:pPr algn="r"/>
-              <a:t>3/24/2024</a:t>
+              <a:t>3/31/2024</a:t>
             </a:fld>
             <a:endParaRPr lang="en-US" dirty="0"/>
           </a:p>
@@ -2853,7 +2921,7 @@
             <a:fld id="{53BEF823-48A5-43FC-BE03-E79964288B41}" type="datetimeFigureOut">
               <a:rPr lang="en-US" smtClean="0"/>
               <a:pPr algn="r"/>
-              <a:t>3/24/2024</a:t>
+              <a:t>3/31/2024</a:t>
             </a:fld>
             <a:endParaRPr lang="en-US" dirty="0"/>
           </a:p>
@@ -3137,7 +3205,7 @@
             <a:fld id="{53BEF823-48A5-43FC-BE03-E79964288B41}" type="datetimeFigureOut">
               <a:rPr lang="en-US" smtClean="0"/>
               <a:pPr algn="r"/>
-              <a:t>3/24/2024</a:t>
+              <a:t>3/31/2024</a:t>
             </a:fld>
             <a:endParaRPr lang="en-US" dirty="0"/>
           </a:p>
@@ -3432,7 +3500,7 @@
             <a:fld id="{53BEF823-48A5-43FC-BE03-E79964288B41}" type="datetimeFigureOut">
               <a:rPr lang="en-US" smtClean="0"/>
               <a:pPr algn="r"/>
-              <a:t>3/24/2024</a:t>
+              <a:t>3/31/2024</a:t>
             </a:fld>
             <a:endParaRPr lang="en-US" dirty="0"/>
           </a:p>
@@ -3927,7 +3995,7 @@
             <a:fld id="{53BEF823-48A5-43FC-BE03-E79964288B41}" type="datetimeFigureOut">
               <a:rPr lang="en-US" smtClean="0"/>
               <a:pPr algn="r"/>
-              <a:t>3/24/2024</a:t>
+              <a:t>3/31/2024</a:t>
             </a:fld>
             <a:endParaRPr lang="en-US" dirty="0"/>
           </a:p>
@@ -8840,18 +8908,11 @@
               <a:buChar char="q"/>
             </a:pPr>
             <a:r>
-              <a:rPr lang="en-US" sz="1600">
-                <a:latin typeface="Arial" panose="020B0604020202020204" pitchFamily="34" charset="0"/>
-                <a:cs typeface="Arial" panose="020B0604020202020204" pitchFamily="34" charset="0"/>
-              </a:rPr>
-              <a:t> converting </a:t>
-            </a:r>
-            <a:r>
               <a:rPr lang="en-US" sz="1600" dirty="0">
                 <a:latin typeface="Arial" panose="020B0604020202020204" pitchFamily="34" charset="0"/>
                 <a:cs typeface="Arial" panose="020B0604020202020204" pitchFamily="34" charset="0"/>
               </a:rPr>
-              <a:t>the SDRs back into a two-dimensional array format suitable for generating bitmap images.</a:t>
+              <a:t> Converting the SDRs back into a two-dimensional array format suitable for generating bitmap images.</a:t>
             </a:r>
           </a:p>
           <a:p>
@@ -10614,7 +10675,7 @@
                   <a:schemeClr val="bg1"/>
                 </a:solidFill>
               </a:rPr>
-              <a:t>Example representing Overlap(Intersection),Difference and Union for Alphabet T and 1 in Bitmap after computing in spatial pooler</a:t>
+              <a:t>Example representing Overlap(Intersection),Difference and Union for Alphabet T and 3 in Bitmap after computing in spatial pooler</a:t>
             </a:r>
             <a:endParaRPr lang="en-IN" sz="2400" dirty="0">
               <a:solidFill>
@@ -11916,7 +11977,7 @@
                   <a:schemeClr val="bg1"/>
                 </a:solidFill>
               </a:rPr>
-              <a:t>Example representing Overlap(Intersection),Difference and Union for Alphabet T and Numeric 3 in Bitmap after computing in spatial pooler:</a:t>
+              <a:t>Example representing Overlap(Intersection),Difference and Union for Alphabet T and Numeric 1 in Bitmap after computing in spatial pooler:</a:t>
             </a:r>
             <a:endParaRPr lang="en-IN" sz="2400" dirty="0">
               <a:solidFill>
@@ -11963,7 +12024,7 @@
                 <a:latin typeface="Arial" panose="020B0604020202020204" pitchFamily="34" charset="0"/>
                 <a:cs typeface="Arial" panose="020B0604020202020204" pitchFamily="34" charset="0"/>
               </a:rPr>
-              <a:t> Generated Bitmap representation of T and l is shown below:</a:t>
+              <a:t> Generated Bitmap representation of T and 1 is shown below:</a:t>
             </a:r>
             <a:br>
               <a:rPr lang="en-US" sz="1600" dirty="0">
@@ -12504,7 +12565,7 @@
                   <a:schemeClr val="bg1"/>
                 </a:solidFill>
               </a:rPr>
-              <a:t>Example representing Overlap(Intersection),Difference and Union for Alphabet T and Numeric 3 in Bitmap after computing in spatial pooler:</a:t>
+              <a:t>Example representing Overlap(Intersection),Difference and Union for Alphabet T and Numeric 1 in Bitmap after computing in spatial pooler:</a:t>
             </a:r>
             <a:endParaRPr lang="en-IN" sz="2400" dirty="0">
               <a:solidFill>
@@ -14112,7 +14173,7 @@
                 <a:ea typeface="Calibri" panose="020F0502020204030204" pitchFamily="34" charset="0"/>
                 <a:cs typeface="Arial" panose="020B0604020202020204" pitchFamily="34" charset="0"/>
               </a:rPr>
-              <a:t>This presentation slide outlines the method for visualizing Sparse Distributed Representations (SDRs) as bitmap images using the </a:t>
+              <a:t>This presentation outlines the method for visualizing Sparse Distributed Representations (SDRs) as bitmap images using the </a:t>
             </a:r>
             <a:r>
               <a:rPr lang="en-US" sz="1800" dirty="0" err="1">
